--- a/2020/keynote/teracoder2019_teaser_infomation.pptx
+++ b/2020/keynote/teracoder2019_teaser_infomation.pptx
@@ -244,7 +244,7 @@
           <a:p>
             <a:fld id="{E9E2ED27-A743-914D-B108-2AFBA0DBC167}" type="datetimeFigureOut">
               <a:rPr kumimoji="1" lang="ja-JP" altLang="en-US" smtClean="0"/>
-              <a:t>2019/10/31</a:t>
+              <a:t>2021/10/29</a:t>
             </a:fld>
             <a:endParaRPr kumimoji="1" lang="ja-JP" altLang="en-US"/>
           </a:p>
@@ -441,7 +441,7 @@
           <a:p>
             <a:fld id="{E9E2ED27-A743-914D-B108-2AFBA0DBC167}" type="datetimeFigureOut">
               <a:rPr kumimoji="1" lang="ja-JP" altLang="en-US" smtClean="0"/>
-              <a:t>2019/10/31</a:t>
+              <a:t>2021/10/29</a:t>
             </a:fld>
             <a:endParaRPr kumimoji="1" lang="ja-JP" altLang="en-US"/>
           </a:p>
@@ -648,7 +648,7 @@
           <a:p>
             <a:fld id="{E9E2ED27-A743-914D-B108-2AFBA0DBC167}" type="datetimeFigureOut">
               <a:rPr kumimoji="1" lang="ja-JP" altLang="en-US" smtClean="0"/>
-              <a:t>2019/10/31</a:t>
+              <a:t>2021/10/29</a:t>
             </a:fld>
             <a:endParaRPr kumimoji="1" lang="ja-JP" altLang="en-US"/>
           </a:p>
@@ -845,7 +845,7 @@
           <a:p>
             <a:fld id="{E9E2ED27-A743-914D-B108-2AFBA0DBC167}" type="datetimeFigureOut">
               <a:rPr kumimoji="1" lang="ja-JP" altLang="en-US" smtClean="0"/>
-              <a:t>2019/10/31</a:t>
+              <a:t>2021/10/29</a:t>
             </a:fld>
             <a:endParaRPr kumimoji="1" lang="ja-JP" altLang="en-US"/>
           </a:p>
@@ -1084,7 +1084,7 @@
           <a:p>
             <a:fld id="{E9E2ED27-A743-914D-B108-2AFBA0DBC167}" type="datetimeFigureOut">
               <a:rPr kumimoji="1" lang="ja-JP" altLang="en-US" smtClean="0"/>
-              <a:t>2019/10/31</a:t>
+              <a:t>2021/10/29</a:t>
             </a:fld>
             <a:endParaRPr kumimoji="1" lang="ja-JP" altLang="en-US"/>
           </a:p>
@@ -1375,7 +1375,7 @@
           <a:p>
             <a:fld id="{E9E2ED27-A743-914D-B108-2AFBA0DBC167}" type="datetimeFigureOut">
               <a:rPr kumimoji="1" lang="ja-JP" altLang="en-US" smtClean="0"/>
-              <a:t>2019/10/31</a:t>
+              <a:t>2021/10/29</a:t>
             </a:fld>
             <a:endParaRPr kumimoji="1" lang="ja-JP" altLang="en-US"/>
           </a:p>
@@ -1801,7 +1801,7 @@
           <a:p>
             <a:fld id="{E9E2ED27-A743-914D-B108-2AFBA0DBC167}" type="datetimeFigureOut">
               <a:rPr kumimoji="1" lang="ja-JP" altLang="en-US" smtClean="0"/>
-              <a:t>2019/10/31</a:t>
+              <a:t>2021/10/29</a:t>
             </a:fld>
             <a:endParaRPr kumimoji="1" lang="ja-JP" altLang="en-US"/>
           </a:p>
@@ -1914,7 +1914,7 @@
           <a:p>
             <a:fld id="{E9E2ED27-A743-914D-B108-2AFBA0DBC167}" type="datetimeFigureOut">
               <a:rPr kumimoji="1" lang="ja-JP" altLang="en-US" smtClean="0"/>
-              <a:t>2019/10/31</a:t>
+              <a:t>2021/10/29</a:t>
             </a:fld>
             <a:endParaRPr kumimoji="1" lang="ja-JP" altLang="en-US"/>
           </a:p>
@@ -2004,7 +2004,7 @@
           <a:p>
             <a:fld id="{E9E2ED27-A743-914D-B108-2AFBA0DBC167}" type="datetimeFigureOut">
               <a:rPr kumimoji="1" lang="ja-JP" altLang="en-US" smtClean="0"/>
-              <a:t>2019/10/31</a:t>
+              <a:t>2021/10/29</a:t>
             </a:fld>
             <a:endParaRPr kumimoji="1" lang="ja-JP" altLang="en-US"/>
           </a:p>
@@ -2308,7 +2308,7 @@
           <a:p>
             <a:fld id="{E9E2ED27-A743-914D-B108-2AFBA0DBC167}" type="datetimeFigureOut">
               <a:rPr kumimoji="1" lang="ja-JP" altLang="en-US" smtClean="0"/>
-              <a:t>2019/10/31</a:t>
+              <a:t>2021/10/29</a:t>
             </a:fld>
             <a:endParaRPr kumimoji="1" lang="ja-JP" altLang="en-US"/>
           </a:p>
@@ -2560,7 +2560,7 @@
           <a:p>
             <a:fld id="{E9E2ED27-A743-914D-B108-2AFBA0DBC167}" type="datetimeFigureOut">
               <a:rPr kumimoji="1" lang="ja-JP" altLang="en-US" smtClean="0"/>
-              <a:t>2019/10/31</a:t>
+              <a:t>2021/10/29</a:t>
             </a:fld>
             <a:endParaRPr kumimoji="1" lang="ja-JP" altLang="en-US"/>
           </a:p>
@@ -2800,7 +2800,7 @@
           <a:p>
             <a:fld id="{E9E2ED27-A743-914D-B108-2AFBA0DBC167}" type="datetimeFigureOut">
               <a:rPr kumimoji="1" lang="ja-JP" altLang="en-US" smtClean="0"/>
-              <a:t>2019/10/31</a:t>
+              <a:t>2021/10/29</a:t>
             </a:fld>
             <a:endParaRPr kumimoji="1" lang="ja-JP" altLang="en-US"/>
           </a:p>
@@ -3698,7 +3698,7 @@
                 <a:ea typeface="Hiragino Kaku Gothic StdN W8" charset="-128"/>
                 <a:cs typeface="Hiragino Kaku Gothic StdN W8" charset="-128"/>
               </a:rPr>
-              <a:t>２０１</a:t>
+              <a:t>２０</a:t>
             </a:r>
             <a:r>
               <a:rPr lang="en-US" altLang="ja-JP" sz="2400" b="1" dirty="0">
@@ -3714,7 +3714,7 @@
                 <a:ea typeface="Hiragino Kaku Gothic StdN W8" charset="-128"/>
                 <a:cs typeface="Hiragino Kaku Gothic StdN W8" charset="-128"/>
               </a:rPr>
-              <a:t>9</a:t>
+              <a:t>20</a:t>
             </a:r>
             <a:r>
               <a:rPr lang="ja-JP" altLang="en-US" sz="2400" b="1">
@@ -3751,6 +3751,22 @@
           </a:p>
           <a:p>
             <a:r>
+              <a:rPr lang="en-US" altLang="ja-JP" sz="2800" b="1" dirty="0">
+                <a:ln w="9525">
+                  <a:solidFill>
+                    <a:schemeClr val="bg2"/>
+                  </a:solidFill>
+                </a:ln>
+                <a:solidFill>
+                  <a:srgbClr val="373A3C"/>
+                </a:solidFill>
+                <a:latin typeface="Hiragino Kaku Gothic StdN W8" charset="-128"/>
+                <a:ea typeface="Hiragino Kaku Gothic StdN W8" charset="-128"/>
+                <a:cs typeface="Hiragino Kaku Gothic StdN W8" charset="-128"/>
+              </a:rPr>
+              <a:t>11</a:t>
+            </a:r>
+            <a:r>
               <a:rPr lang="ja-JP" altLang="en-US" sz="2800" b="1">
                 <a:ln w="9525">
                   <a:solidFill>
@@ -3764,7 +3780,39 @@
                 <a:ea typeface="Hiragino Kaku Gothic StdN W8" charset="-128"/>
                 <a:cs typeface="Hiragino Kaku Gothic StdN W8" charset="-128"/>
               </a:rPr>
-              <a:t>１１月３０日</a:t>
+              <a:t>月</a:t>
+            </a:r>
+            <a:r>
+              <a:rPr lang="en-US" altLang="ja-JP" sz="2800" b="1" dirty="0">
+                <a:ln w="9525">
+                  <a:solidFill>
+                    <a:schemeClr val="bg2"/>
+                  </a:solidFill>
+                </a:ln>
+                <a:solidFill>
+                  <a:srgbClr val="373A3C"/>
+                </a:solidFill>
+                <a:latin typeface="Hiragino Kaku Gothic StdN W8" charset="-128"/>
+                <a:ea typeface="Hiragino Kaku Gothic StdN W8" charset="-128"/>
+                <a:cs typeface="Hiragino Kaku Gothic StdN W8" charset="-128"/>
+              </a:rPr>
+              <a:t>2</a:t>
+            </a:r>
+            <a:r>
+              <a:rPr lang="ja-JP" altLang="en-US" sz="2800" b="1">
+                <a:ln w="9525">
+                  <a:solidFill>
+                    <a:schemeClr val="bg2"/>
+                  </a:solidFill>
+                </a:ln>
+                <a:solidFill>
+                  <a:srgbClr val="373A3C"/>
+                </a:solidFill>
+                <a:latin typeface="Hiragino Kaku Gothic StdN W8" charset="-128"/>
+                <a:ea typeface="Hiragino Kaku Gothic StdN W8" charset="-128"/>
+                <a:cs typeface="Hiragino Kaku Gothic StdN W8" charset="-128"/>
+              </a:rPr>
+              <a:t>０日</a:t>
             </a:r>
             <a:r>
               <a:rPr lang="ja-JP" altLang="en-US" sz="2800" b="1" dirty="0">
@@ -3827,7 +3875,7 @@
                 <a:ea typeface="Hiragino Kaku Gothic StdN W8" charset="-128"/>
                 <a:cs typeface="Hiragino Kaku Gothic StdN W8" charset="-128"/>
               </a:rPr>
-              <a:t>5</a:t>
+              <a:t>4</a:t>
             </a:r>
             <a:r>
               <a:rPr lang="ja-JP" altLang="en-US" sz="2000" b="1">
@@ -3843,10 +3891,10 @@
                 <a:ea typeface="Hiragino Kaku Gothic StdN W8" charset="-128"/>
                 <a:cs typeface="Hiragino Kaku Gothic StdN W8" charset="-128"/>
               </a:rPr>
-              <a:t>：００</a:t>
-            </a:r>
-            <a:r>
-              <a:rPr lang="ja-JP" altLang="en-US" sz="2000" b="1" dirty="0">
+              <a:t>：００−１</a:t>
+            </a:r>
+            <a:r>
+              <a:rPr lang="en-US" altLang="ja-JP" sz="2000" b="1">
                 <a:ln w="9525">
                   <a:solidFill>
                     <a:schemeClr val="bg2"/>
@@ -3859,8 +3907,37 @@
                 <a:ea typeface="Hiragino Kaku Gothic StdN W8" charset="-128"/>
                 <a:cs typeface="Hiragino Kaku Gothic StdN W8" charset="-128"/>
               </a:rPr>
-              <a:t>−１９：００</a:t>
-            </a:r>
+              <a:t>8</a:t>
+            </a:r>
+            <a:r>
+              <a:rPr lang="ja-JP" altLang="en-US" sz="2000" b="1">
+                <a:ln w="9525">
+                  <a:solidFill>
+                    <a:schemeClr val="bg2"/>
+                  </a:solidFill>
+                </a:ln>
+                <a:solidFill>
+                  <a:srgbClr val="C00000"/>
+                </a:solidFill>
+                <a:latin typeface="Hiragino Kaku Gothic StdN W8" charset="-128"/>
+                <a:ea typeface="Hiragino Kaku Gothic StdN W8" charset="-128"/>
+                <a:cs typeface="Hiragino Kaku Gothic StdN W8" charset="-128"/>
+              </a:rPr>
+              <a:t>：００</a:t>
+            </a:r>
+            <a:endParaRPr lang="ja-JP" altLang="en-US" sz="2000" b="1" dirty="0">
+              <a:ln w="9525">
+                <a:solidFill>
+                  <a:schemeClr val="bg2"/>
+                </a:solidFill>
+              </a:ln>
+              <a:solidFill>
+                <a:srgbClr val="C00000"/>
+              </a:solidFill>
+              <a:latin typeface="Hiragino Kaku Gothic StdN W8" charset="-128"/>
+              <a:ea typeface="Hiragino Kaku Gothic StdN W8" charset="-128"/>
+              <a:cs typeface="Hiragino Kaku Gothic StdN W8" charset="-128"/>
+            </a:endParaRPr>
           </a:p>
         </p:txBody>
       </p:sp>
@@ -4449,7 +4526,7 @@
         <p:spPr>
           <a:xfrm>
             <a:off x="1282582" y="3427923"/>
-            <a:ext cx="5649303" cy="338554"/>
+            <a:ext cx="6715300" cy="338554"/>
           </a:xfrm>
           <a:prstGeom prst="rect">
             <a:avLst/>
@@ -4463,72 +4540,85 @@
           <a:lstStyle/>
           <a:p>
             <a:r>
-              <a:rPr kumimoji="1" lang="ja-JP" altLang="en-US" sz="1600">
+              <a:rPr lang="ja-JP" altLang="en-US" sz="1600">
                 <a:solidFill>
                   <a:srgbClr val="383A3B"/>
                 </a:solidFill>
                 <a:latin typeface="Hiragino Kaku Gothic StdN W8" panose="020B0800000000000000" pitchFamily="34" charset="-128"/>
                 <a:ea typeface="Hiragino Kaku Gothic StdN W8" panose="020B0800000000000000" pitchFamily="34" charset="-128"/>
               </a:rPr>
-              <a:t>寺子屋</a:t>
-            </a:r>
-            <a:r>
-              <a:rPr lang="ja-JP" altLang="en-US" sz="1600">
+              <a:t>寺子屋：毎週月曜日</a:t>
+            </a:r>
+            <a:r>
+              <a:rPr lang="en-US" altLang="ja-JP" sz="1600" dirty="0">
                 <a:solidFill>
                   <a:srgbClr val="383A3B"/>
                 </a:solidFill>
                 <a:latin typeface="Hiragino Kaku Gothic StdN W8" panose="020B0800000000000000" pitchFamily="34" charset="-128"/>
                 <a:ea typeface="Hiragino Kaku Gothic StdN W8" panose="020B0800000000000000" pitchFamily="34" charset="-128"/>
               </a:rPr>
-              <a:t>：毎週月曜日・木曜日</a:t>
-            </a:r>
-            <a:r>
-              <a:rPr lang="en-US" altLang="ja-JP" sz="1600" dirty="0">
+              <a:t>,</a:t>
+            </a:r>
+            <a:r>
+              <a:rPr lang="ja-JP" altLang="en-US" sz="1600">
                 <a:solidFill>
                   <a:srgbClr val="383A3B"/>
                 </a:solidFill>
                 <a:latin typeface="Hiragino Kaku Gothic StdN W8" panose="020B0800000000000000" pitchFamily="34" charset="-128"/>
                 <a:ea typeface="Hiragino Kaku Gothic StdN W8" panose="020B0800000000000000" pitchFamily="34" charset="-128"/>
               </a:rPr>
-              <a:t> 5-6</a:t>
-            </a:r>
-            <a:r>
-              <a:rPr lang="ja-JP" altLang="en-US" sz="1600">
+              <a:t>木曜日　</a:t>
+            </a:r>
+            <a:r>
+              <a:rPr lang="en-US" altLang="ja-JP" sz="1600" dirty="0">
                 <a:solidFill>
                   <a:srgbClr val="383A3B"/>
                 </a:solidFill>
                 <a:latin typeface="Hiragino Kaku Gothic StdN W8" panose="020B0800000000000000" pitchFamily="34" charset="-128"/>
                 <a:ea typeface="Hiragino Kaku Gothic StdN W8" panose="020B0800000000000000" pitchFamily="34" charset="-128"/>
               </a:rPr>
-              <a:t>限目（</a:t>
-            </a:r>
-            <a:r>
-              <a:rPr lang="en-US" altLang="ja-JP" sz="1600" dirty="0">
+              <a:t>5</a:t>
+            </a:r>
+            <a:r>
+              <a:rPr lang="ja-JP" altLang="en-US" sz="1600">
                 <a:solidFill>
                   <a:srgbClr val="383A3B"/>
                 </a:solidFill>
                 <a:latin typeface="Hiragino Kaku Gothic StdN W8" panose="020B0800000000000000" pitchFamily="34" charset="-128"/>
                 <a:ea typeface="Hiragino Kaku Gothic StdN W8" panose="020B0800000000000000" pitchFamily="34" charset="-128"/>
               </a:rPr>
-              <a:t>16:45-20:00</a:t>
-            </a:r>
-            <a:r>
-              <a:rPr lang="ja-JP" altLang="en-US" sz="1600">
+              <a:t>限目 </a:t>
+            </a:r>
+            <a:r>
+              <a:rPr lang="en-US" altLang="ja-JP" sz="1600" dirty="0">
                 <a:solidFill>
                   <a:srgbClr val="383A3B"/>
                 </a:solidFill>
                 <a:latin typeface="Hiragino Kaku Gothic StdN W8" panose="020B0800000000000000" pitchFamily="34" charset="-128"/>
                 <a:ea typeface="Hiragino Kaku Gothic StdN W8" panose="020B0800000000000000" pitchFamily="34" charset="-128"/>
               </a:rPr>
-              <a:t>）</a:t>
-            </a:r>
-            <a:endParaRPr kumimoji="1" lang="ja-JP" altLang="en-US" sz="1600">
-              <a:solidFill>
-                <a:srgbClr val="383A3B"/>
-              </a:solidFill>
-              <a:latin typeface="Hiragino Kaku Gothic StdN W8" panose="020B0800000000000000" pitchFamily="34" charset="-128"/>
-              <a:ea typeface="Hiragino Kaku Gothic StdN W8" panose="020B0800000000000000" pitchFamily="34" charset="-128"/>
-            </a:endParaRPr>
+              <a:t>(16:45-18:15) </a:t>
+            </a:r>
+            <a:r>
+              <a:rPr lang="en" altLang="ja-JP" sz="1600" dirty="0">
+                <a:solidFill>
+                  <a:srgbClr val="383A3B"/>
+                </a:solidFill>
+                <a:latin typeface="Hiragino Kaku Gothic StdN W8" panose="020B0800000000000000" pitchFamily="34" charset="-128"/>
+                <a:ea typeface="Hiragino Kaku Gothic StdN W8" panose="020B0800000000000000" pitchFamily="34" charset="-128"/>
+              </a:rPr>
+              <a:t>Teams</a:t>
+            </a:r>
+            <a:r>
+              <a:rPr lang="ja-JP" altLang="en-US" sz="1600">
+                <a:solidFill>
+                  <a:srgbClr val="383A3B"/>
+                </a:solidFill>
+                <a:latin typeface="Hiragino Kaku Gothic StdN W8" panose="020B0800000000000000" pitchFamily="34" charset="-128"/>
+                <a:ea typeface="Hiragino Kaku Gothic StdN W8" panose="020B0800000000000000" pitchFamily="34" charset="-128"/>
+              </a:rPr>
+              <a:t>にて　</a:t>
+            </a:r>
           </a:p>
         </p:txBody>
       </p:sp>
